--- a/hands_on_ml/Chapter4 모델 훈련.pptx
+++ b/hands_on_ml/Chapter4 모델 훈련.pptx
@@ -7,42 +7,43 @@
   <p:sldIdLst>
     <p:sldId id="256" r:id="rId2"/>
     <p:sldId id="258" r:id="rId3"/>
-    <p:sldId id="257" r:id="rId4"/>
-    <p:sldId id="259" r:id="rId5"/>
-    <p:sldId id="260" r:id="rId6"/>
-    <p:sldId id="262" r:id="rId7"/>
-    <p:sldId id="263" r:id="rId8"/>
-    <p:sldId id="264" r:id="rId9"/>
-    <p:sldId id="265" r:id="rId10"/>
-    <p:sldId id="266" r:id="rId11"/>
-    <p:sldId id="267" r:id="rId12"/>
-    <p:sldId id="268" r:id="rId13"/>
-    <p:sldId id="269" r:id="rId14"/>
-    <p:sldId id="270" r:id="rId15"/>
-    <p:sldId id="271" r:id="rId16"/>
-    <p:sldId id="272" r:id="rId17"/>
-    <p:sldId id="273" r:id="rId18"/>
-    <p:sldId id="274" r:id="rId19"/>
-    <p:sldId id="275" r:id="rId20"/>
-    <p:sldId id="276" r:id="rId21"/>
-    <p:sldId id="277" r:id="rId22"/>
-    <p:sldId id="278" r:id="rId23"/>
-    <p:sldId id="279" r:id="rId24"/>
-    <p:sldId id="280" r:id="rId25"/>
-    <p:sldId id="281" r:id="rId26"/>
-    <p:sldId id="282" r:id="rId27"/>
-    <p:sldId id="283" r:id="rId28"/>
-    <p:sldId id="284" r:id="rId29"/>
-    <p:sldId id="285" r:id="rId30"/>
-    <p:sldId id="286" r:id="rId31"/>
-    <p:sldId id="288" r:id="rId32"/>
-    <p:sldId id="289" r:id="rId33"/>
-    <p:sldId id="290" r:id="rId34"/>
-    <p:sldId id="291" r:id="rId35"/>
-    <p:sldId id="292" r:id="rId36"/>
-    <p:sldId id="293" r:id="rId37"/>
-    <p:sldId id="294" r:id="rId38"/>
-    <p:sldId id="295" r:id="rId39"/>
+    <p:sldId id="296" r:id="rId4"/>
+    <p:sldId id="257" r:id="rId5"/>
+    <p:sldId id="259" r:id="rId6"/>
+    <p:sldId id="260" r:id="rId7"/>
+    <p:sldId id="262" r:id="rId8"/>
+    <p:sldId id="263" r:id="rId9"/>
+    <p:sldId id="264" r:id="rId10"/>
+    <p:sldId id="265" r:id="rId11"/>
+    <p:sldId id="266" r:id="rId12"/>
+    <p:sldId id="267" r:id="rId13"/>
+    <p:sldId id="268" r:id="rId14"/>
+    <p:sldId id="269" r:id="rId15"/>
+    <p:sldId id="270" r:id="rId16"/>
+    <p:sldId id="271" r:id="rId17"/>
+    <p:sldId id="272" r:id="rId18"/>
+    <p:sldId id="273" r:id="rId19"/>
+    <p:sldId id="274" r:id="rId20"/>
+    <p:sldId id="275" r:id="rId21"/>
+    <p:sldId id="276" r:id="rId22"/>
+    <p:sldId id="277" r:id="rId23"/>
+    <p:sldId id="278" r:id="rId24"/>
+    <p:sldId id="279" r:id="rId25"/>
+    <p:sldId id="280" r:id="rId26"/>
+    <p:sldId id="281" r:id="rId27"/>
+    <p:sldId id="282" r:id="rId28"/>
+    <p:sldId id="283" r:id="rId29"/>
+    <p:sldId id="284" r:id="rId30"/>
+    <p:sldId id="285" r:id="rId31"/>
+    <p:sldId id="286" r:id="rId32"/>
+    <p:sldId id="288" r:id="rId33"/>
+    <p:sldId id="289" r:id="rId34"/>
+    <p:sldId id="290" r:id="rId35"/>
+    <p:sldId id="291" r:id="rId36"/>
+    <p:sldId id="292" r:id="rId37"/>
+    <p:sldId id="293" r:id="rId38"/>
+    <p:sldId id="294" r:id="rId39"/>
+    <p:sldId id="295" r:id="rId40"/>
   </p:sldIdLst>
   <p:sldSz cx="9144000" cy="6858000" type="screen4x3"/>
   <p:notesSz cx="6858000" cy="9144000"/>
@@ -341,7 +342,7 @@
           <a:p>
             <a:fld id="{EAF2E4E8-79C1-4494-95E2-B649814A7F1F}" type="datetimeFigureOut">
               <a:rPr lang="ko-KR" altLang="en-US" smtClean="0"/>
-              <a:t>2018-07-30</a:t>
+              <a:t>2018-08-08</a:t>
             </a:fld>
             <a:endParaRPr lang="ko-KR" altLang="en-US"/>
           </a:p>
@@ -511,7 +512,7 @@
           <a:p>
             <a:fld id="{EAF2E4E8-79C1-4494-95E2-B649814A7F1F}" type="datetimeFigureOut">
               <a:rPr lang="ko-KR" altLang="en-US" smtClean="0"/>
-              <a:t>2018-07-30</a:t>
+              <a:t>2018-08-08</a:t>
             </a:fld>
             <a:endParaRPr lang="ko-KR" altLang="en-US"/>
           </a:p>
@@ -691,7 +692,7 @@
           <a:p>
             <a:fld id="{EAF2E4E8-79C1-4494-95E2-B649814A7F1F}" type="datetimeFigureOut">
               <a:rPr lang="ko-KR" altLang="en-US" smtClean="0"/>
-              <a:t>2018-07-30</a:t>
+              <a:t>2018-08-08</a:t>
             </a:fld>
             <a:endParaRPr lang="ko-KR" altLang="en-US"/>
           </a:p>
@@ -861,7 +862,7 @@
           <a:p>
             <a:fld id="{EAF2E4E8-79C1-4494-95E2-B649814A7F1F}" type="datetimeFigureOut">
               <a:rPr lang="ko-KR" altLang="en-US" smtClean="0"/>
-              <a:t>2018-07-30</a:t>
+              <a:t>2018-08-08</a:t>
             </a:fld>
             <a:endParaRPr lang="ko-KR" altLang="en-US"/>
           </a:p>
@@ -1107,7 +1108,7 @@
           <a:p>
             <a:fld id="{EAF2E4E8-79C1-4494-95E2-B649814A7F1F}" type="datetimeFigureOut">
               <a:rPr lang="ko-KR" altLang="en-US" smtClean="0"/>
-              <a:t>2018-07-30</a:t>
+              <a:t>2018-08-08</a:t>
             </a:fld>
             <a:endParaRPr lang="ko-KR" altLang="en-US"/>
           </a:p>
@@ -1395,7 +1396,7 @@
           <a:p>
             <a:fld id="{EAF2E4E8-79C1-4494-95E2-B649814A7F1F}" type="datetimeFigureOut">
               <a:rPr lang="ko-KR" altLang="en-US" smtClean="0"/>
-              <a:t>2018-07-30</a:t>
+              <a:t>2018-08-08</a:t>
             </a:fld>
             <a:endParaRPr lang="ko-KR" altLang="en-US"/>
           </a:p>
@@ -1817,7 +1818,7 @@
           <a:p>
             <a:fld id="{EAF2E4E8-79C1-4494-95E2-B649814A7F1F}" type="datetimeFigureOut">
               <a:rPr lang="ko-KR" altLang="en-US" smtClean="0"/>
-              <a:t>2018-07-30</a:t>
+              <a:t>2018-08-08</a:t>
             </a:fld>
             <a:endParaRPr lang="ko-KR" altLang="en-US"/>
           </a:p>
@@ -1935,7 +1936,7 @@
           <a:p>
             <a:fld id="{EAF2E4E8-79C1-4494-95E2-B649814A7F1F}" type="datetimeFigureOut">
               <a:rPr lang="ko-KR" altLang="en-US" smtClean="0"/>
-              <a:t>2018-07-30</a:t>
+              <a:t>2018-08-08</a:t>
             </a:fld>
             <a:endParaRPr lang="ko-KR" altLang="en-US"/>
           </a:p>
@@ -2030,7 +2031,7 @@
           <a:p>
             <a:fld id="{EAF2E4E8-79C1-4494-95E2-B649814A7F1F}" type="datetimeFigureOut">
               <a:rPr lang="ko-KR" altLang="en-US" smtClean="0"/>
-              <a:t>2018-07-30</a:t>
+              <a:t>2018-08-08</a:t>
             </a:fld>
             <a:endParaRPr lang="ko-KR" altLang="en-US"/>
           </a:p>
@@ -2307,7 +2308,7 @@
           <a:p>
             <a:fld id="{EAF2E4E8-79C1-4494-95E2-B649814A7F1F}" type="datetimeFigureOut">
               <a:rPr lang="ko-KR" altLang="en-US" smtClean="0"/>
-              <a:t>2018-07-30</a:t>
+              <a:t>2018-08-08</a:t>
             </a:fld>
             <a:endParaRPr lang="ko-KR" altLang="en-US"/>
           </a:p>
@@ -2560,7 +2561,7 @@
           <a:p>
             <a:fld id="{EAF2E4E8-79C1-4494-95E2-B649814A7F1F}" type="datetimeFigureOut">
               <a:rPr lang="ko-KR" altLang="en-US" smtClean="0"/>
-              <a:t>2018-07-30</a:t>
+              <a:t>2018-08-08</a:t>
             </a:fld>
             <a:endParaRPr lang="ko-KR" altLang="en-US"/>
           </a:p>
@@ -2773,7 +2774,7 @@
           <a:p>
             <a:fld id="{EAF2E4E8-79C1-4494-95E2-B649814A7F1F}" type="datetimeFigureOut">
               <a:rPr lang="ko-KR" altLang="en-US" smtClean="0"/>
-              <a:t>2018-07-30</a:t>
+              <a:t>2018-08-08</a:t>
             </a:fld>
             <a:endParaRPr lang="ko-KR" altLang="en-US"/>
           </a:p>
@@ -3243,6 +3244,314 @@
         <p:spPr>
           <a:xfrm>
             <a:off x="179512" y="147990"/>
+            <a:ext cx="8784976" cy="4524315"/>
+          </a:xfrm>
+          <a:prstGeom prst="rect">
+            <a:avLst/>
+          </a:prstGeom>
+          <a:noFill/>
+        </p:spPr>
+        <p:txBody>
+          <a:bodyPr wrap="square" rtlCol="0">
+            <a:spAutoFit/>
+          </a:bodyPr>
+          <a:lstStyle/>
+          <a:p>
+            <a:r>
+              <a:rPr lang="ko-KR" altLang="en-US" b="1" dirty="0" smtClean="0"/>
+              <a:t>경사 </a:t>
+            </a:r>
+            <a:r>
+              <a:rPr lang="ko-KR" altLang="en-US" b="1" dirty="0" err="1" smtClean="0"/>
+              <a:t>하강법</a:t>
+            </a:r>
+            <a:r>
+              <a:rPr lang="en-US" altLang="ko-KR" b="1" dirty="0" smtClean="0"/>
+              <a:t> </a:t>
+            </a:r>
+            <a:r>
+              <a:rPr lang="ko-KR" altLang="en-US" b="1" dirty="0" err="1" smtClean="0"/>
+              <a:t>학습률</a:t>
+            </a:r>
+            <a:r>
+              <a:rPr lang="en-US" altLang="ko-KR" b="1" dirty="0" smtClean="0"/>
+              <a:t>(Learning Rate)</a:t>
+            </a:r>
+            <a:endParaRPr lang="en-US" altLang="ko-KR" dirty="0" smtClean="0"/>
+          </a:p>
+          <a:p>
+            <a:pPr marL="285750" indent="-285750">
+              <a:buFontTx/>
+              <a:buChar char="-"/>
+            </a:pPr>
+            <a:r>
+              <a:rPr lang="ko-KR" altLang="en-US" dirty="0" err="1"/>
+              <a:t>학습률이</a:t>
+            </a:r>
+            <a:r>
+              <a:rPr lang="ko-KR" altLang="en-US" dirty="0"/>
+              <a:t> 너무 작으면 알고리즘이 수렴하기 위해 반복을 많이 진행해야 하므로 시간이 </a:t>
+            </a:r>
+            <a:r>
+              <a:rPr lang="ko-KR" altLang="en-US" dirty="0" smtClean="0"/>
+              <a:t>오래 걸림</a:t>
+            </a:r>
+            <a:endParaRPr lang="en-US" altLang="ko-KR" dirty="0" smtClean="0"/>
+          </a:p>
+          <a:p>
+            <a:pPr marL="285750" indent="-285750">
+              <a:buFontTx/>
+              <a:buChar char="-"/>
+            </a:pPr>
+            <a:endParaRPr lang="en-US" altLang="ko-KR" dirty="0"/>
+          </a:p>
+          <a:p>
+            <a:pPr marL="285750" indent="-285750">
+              <a:buFontTx/>
+              <a:buChar char="-"/>
+            </a:pPr>
+            <a:endParaRPr lang="en-US" altLang="ko-KR" dirty="0" smtClean="0"/>
+          </a:p>
+          <a:p>
+            <a:pPr marL="285750" indent="-285750">
+              <a:buFontTx/>
+              <a:buChar char="-"/>
+            </a:pPr>
+            <a:endParaRPr lang="en-US" altLang="ko-KR" dirty="0"/>
+          </a:p>
+          <a:p>
+            <a:pPr marL="285750" indent="-285750">
+              <a:buFontTx/>
+              <a:buChar char="-"/>
+            </a:pPr>
+            <a:endParaRPr lang="en-US" altLang="ko-KR" dirty="0" smtClean="0"/>
+          </a:p>
+          <a:p>
+            <a:pPr marL="285750" indent="-285750">
+              <a:buFontTx/>
+              <a:buChar char="-"/>
+            </a:pPr>
+            <a:endParaRPr lang="en-US" altLang="ko-KR" dirty="0"/>
+          </a:p>
+          <a:p>
+            <a:pPr marL="285750" indent="-285750">
+              <a:buFontTx/>
+              <a:buChar char="-"/>
+            </a:pPr>
+            <a:endParaRPr lang="en-US" altLang="ko-KR" dirty="0" smtClean="0"/>
+          </a:p>
+          <a:p>
+            <a:pPr marL="285750" indent="-285750">
+              <a:buFontTx/>
+              <a:buChar char="-"/>
+            </a:pPr>
+            <a:endParaRPr lang="en-US" altLang="ko-KR" dirty="0"/>
+          </a:p>
+          <a:p>
+            <a:endParaRPr lang="en-US" altLang="ko-KR" dirty="0"/>
+          </a:p>
+          <a:p>
+            <a:pPr marL="285750" indent="-285750">
+              <a:buFontTx/>
+              <a:buChar char="-"/>
+            </a:pPr>
+            <a:endParaRPr lang="en-US" altLang="ko-KR" dirty="0" smtClean="0"/>
+          </a:p>
+          <a:p>
+            <a:pPr marL="285750" indent="-285750">
+              <a:buFontTx/>
+              <a:buChar char="-"/>
+            </a:pPr>
+            <a:r>
+              <a:rPr lang="ko-KR" altLang="en-US" dirty="0" smtClean="0"/>
+              <a:t>한편 </a:t>
+            </a:r>
+            <a:r>
+              <a:rPr lang="ko-KR" altLang="en-US" dirty="0" err="1" smtClean="0"/>
+              <a:t>학습률이</a:t>
+            </a:r>
+            <a:r>
+              <a:rPr lang="ko-KR" altLang="en-US" dirty="0" smtClean="0"/>
+              <a:t> 너무 크면 골짜기를 가로질러 반대편으로 건너뛰게 되어 이전보다 더 높은 곳으로 올라가게 될지도 모르며 알고리즘을 더 큰 값으로 발산하게 만들어 적절한 해법을 찾지 못함</a:t>
+            </a:r>
+            <a:endParaRPr lang="en-US" altLang="ko-KR" dirty="0" smtClean="0"/>
+          </a:p>
+          <a:p>
+            <a:pPr marL="285750" indent="-285750">
+              <a:buFontTx/>
+              <a:buChar char="-"/>
+            </a:pPr>
+            <a:endParaRPr lang="en-US" altLang="ko-KR" dirty="0"/>
+          </a:p>
+        </p:txBody>
+      </p:sp>
+      <p:pic>
+        <p:nvPicPr>
+          <p:cNvPr id="6147" name="Picture 3"/>
+          <p:cNvPicPr>
+            <a:picLocks noChangeAspect="1" noChangeArrowheads="1"/>
+          </p:cNvPicPr>
+          <p:nvPr/>
+        </p:nvPicPr>
+        <p:blipFill>
+          <a:blip r:embed="rId2">
+            <a:extLst>
+              <a:ext uri="{28A0092B-C50C-407E-A947-70E740481C1C}">
+                <a14:useLocalDpi xmlns:a14="http://schemas.microsoft.com/office/drawing/2010/main" val="0"/>
+              </a:ext>
+            </a:extLst>
+          </a:blip>
+          <a:srcRect/>
+          <a:stretch>
+            <a:fillRect/>
+          </a:stretch>
+        </p:blipFill>
+        <p:spPr bwMode="auto">
+          <a:xfrm>
+            <a:off x="179513" y="1097328"/>
+            <a:ext cx="4930853" cy="2239241"/>
+          </a:xfrm>
+          <a:prstGeom prst="rect">
+            <a:avLst/>
+          </a:prstGeom>
+          <a:noFill/>
+          <a:ln>
+            <a:noFill/>
+          </a:ln>
+          <a:effectLst/>
+          <a:extLst>
+            <a:ext uri="{909E8E84-426E-40DD-AFC4-6F175D3DCCD1}">
+              <a14:hiddenFill xmlns:a14="http://schemas.microsoft.com/office/drawing/2010/main">
+                <a:solidFill>
+                  <a:schemeClr val="accent1"/>
+                </a:solidFill>
+              </a14:hiddenFill>
+            </a:ext>
+            <a:ext uri="{91240B29-F687-4F45-9708-019B960494DF}">
+              <a14:hiddenLine xmlns:a14="http://schemas.microsoft.com/office/drawing/2010/main" w="9525">
+                <a:solidFill>
+                  <a:schemeClr val="tx1"/>
+                </a:solidFill>
+                <a:miter lim="800000"/>
+                <a:headEnd/>
+                <a:tailEnd/>
+              </a14:hiddenLine>
+            </a:ext>
+            <a:ext uri="{AF507438-7753-43E0-B8FC-AC1667EBCBE1}">
+              <a14:hiddenEffects xmlns:a14="http://schemas.microsoft.com/office/drawing/2010/main">
+                <a:effectLst>
+                  <a:outerShdw dist="35921" dir="2700000" algn="ctr" rotWithShape="0">
+                    <a:schemeClr val="bg2"/>
+                  </a:outerShdw>
+                </a:effectLst>
+              </a14:hiddenEffects>
+            </a:ext>
+          </a:extLst>
+        </p:spPr>
+      </p:pic>
+      <p:pic>
+        <p:nvPicPr>
+          <p:cNvPr id="6148" name="Picture 4"/>
+          <p:cNvPicPr>
+            <a:picLocks noChangeAspect="1" noChangeArrowheads="1"/>
+          </p:cNvPicPr>
+          <p:nvPr/>
+        </p:nvPicPr>
+        <p:blipFill>
+          <a:blip r:embed="rId3">
+            <a:extLst>
+              <a:ext uri="{28A0092B-C50C-407E-A947-70E740481C1C}">
+                <a14:useLocalDpi xmlns:a14="http://schemas.microsoft.com/office/drawing/2010/main" val="0"/>
+              </a:ext>
+            </a:extLst>
+          </a:blip>
+          <a:srcRect/>
+          <a:stretch>
+            <a:fillRect/>
+          </a:stretch>
+        </p:blipFill>
+        <p:spPr bwMode="auto">
+          <a:xfrm>
+            <a:off x="179513" y="4365105"/>
+            <a:ext cx="4968551" cy="2209083"/>
+          </a:xfrm>
+          <a:prstGeom prst="rect">
+            <a:avLst/>
+          </a:prstGeom>
+          <a:noFill/>
+          <a:ln>
+            <a:noFill/>
+          </a:ln>
+          <a:effectLst/>
+          <a:extLst>
+            <a:ext uri="{909E8E84-426E-40DD-AFC4-6F175D3DCCD1}">
+              <a14:hiddenFill xmlns:a14="http://schemas.microsoft.com/office/drawing/2010/main">
+                <a:solidFill>
+                  <a:schemeClr val="accent1"/>
+                </a:solidFill>
+              </a14:hiddenFill>
+            </a:ext>
+            <a:ext uri="{91240B29-F687-4F45-9708-019B960494DF}">
+              <a14:hiddenLine xmlns:a14="http://schemas.microsoft.com/office/drawing/2010/main" w="9525">
+                <a:solidFill>
+                  <a:schemeClr val="tx1"/>
+                </a:solidFill>
+                <a:miter lim="800000"/>
+                <a:headEnd/>
+                <a:tailEnd/>
+              </a14:hiddenLine>
+            </a:ext>
+            <a:ext uri="{AF507438-7753-43E0-B8FC-AC1667EBCBE1}">
+              <a14:hiddenEffects xmlns:a14="http://schemas.microsoft.com/office/drawing/2010/main">
+                <a:effectLst>
+                  <a:outerShdw dist="35921" dir="2700000" algn="ctr" rotWithShape="0">
+                    <a:schemeClr val="bg2"/>
+                  </a:outerShdw>
+                </a:effectLst>
+              </a14:hiddenEffects>
+            </a:ext>
+          </a:extLst>
+        </p:spPr>
+      </p:pic>
+    </p:spTree>
+    <p:extLst>
+      <p:ext uri="{BB962C8B-B14F-4D97-AF65-F5344CB8AC3E}">
+        <p14:creationId xmlns:p14="http://schemas.microsoft.com/office/powerpoint/2010/main" val="1807050398"/>
+      </p:ext>
+    </p:extLst>
+  </p:cSld>
+  <p:clrMapOvr>
+    <a:masterClrMapping/>
+  </p:clrMapOvr>
+</p:sld>
+</file>
+
+<file path=ppt/slides/slide11.xml><?xml version="1.0" encoding="utf-8"?>
+<p:sld xmlns:a="http://schemas.openxmlformats.org/drawingml/2006/main" xmlns:r="http://schemas.openxmlformats.org/officeDocument/2006/relationships" xmlns:p="http://schemas.openxmlformats.org/presentationml/2006/main">
+  <p:cSld>
+    <p:spTree>
+      <p:nvGrpSpPr>
+        <p:cNvPr id="1" name=""/>
+        <p:cNvGrpSpPr/>
+        <p:nvPr/>
+      </p:nvGrpSpPr>
+      <p:grpSpPr>
+        <a:xfrm>
+          <a:off x="0" y="0"/>
+          <a:ext cx="0" cy="0"/>
+          <a:chOff x="0" y="0"/>
+          <a:chExt cx="0" cy="0"/>
+        </a:xfrm>
+      </p:grpSpPr>
+      <p:sp>
+        <p:nvSpPr>
+          <p:cNvPr id="4" name="TextBox 3"/>
+          <p:cNvSpPr txBox="1"/>
+          <p:nvPr/>
+        </p:nvSpPr>
+        <p:spPr>
+          <a:xfrm>
+            <a:off x="179512" y="147990"/>
             <a:ext cx="8784976" cy="1477328"/>
           </a:xfrm>
           <a:prstGeom prst="rect">
@@ -3410,7 +3719,7 @@
 </p:sld>
 </file>
 
-<file path=ppt/slides/slide11.xml><?xml version="1.0" encoding="utf-8"?>
+<file path=ppt/slides/slide12.xml><?xml version="1.0" encoding="utf-8"?>
 <p:sld xmlns:a="http://schemas.openxmlformats.org/drawingml/2006/main" xmlns:r="http://schemas.openxmlformats.org/officeDocument/2006/relationships" xmlns:p="http://schemas.openxmlformats.org/presentationml/2006/main">
   <p:cSld>
     <p:spTree>
@@ -3796,7 +4105,7 @@
 </p:sld>
 </file>
 
-<file path=ppt/slides/slide12.xml><?xml version="1.0" encoding="utf-8"?>
+<file path=ppt/slides/slide13.xml><?xml version="1.0" encoding="utf-8"?>
 <p:sld xmlns:a="http://schemas.openxmlformats.org/drawingml/2006/main" xmlns:r="http://schemas.openxmlformats.org/officeDocument/2006/relationships" xmlns:p="http://schemas.openxmlformats.org/presentationml/2006/main">
   <p:cSld>
     <p:spTree>
@@ -4195,7 +4504,7 @@
 </p:sld>
 </file>
 
-<file path=ppt/slides/slide13.xml><?xml version="1.0" encoding="utf-8"?>
+<file path=ppt/slides/slide14.xml><?xml version="1.0" encoding="utf-8"?>
 <p:sld xmlns:a="http://schemas.openxmlformats.org/drawingml/2006/main" xmlns:r="http://schemas.openxmlformats.org/officeDocument/2006/relationships" xmlns:p="http://schemas.openxmlformats.org/presentationml/2006/main">
   <p:cSld>
     <p:spTree>
@@ -4540,7 +4849,7 @@
 </p:sld>
 </file>
 
-<file path=ppt/slides/slide14.xml><?xml version="1.0" encoding="utf-8"?>
+<file path=ppt/slides/slide15.xml><?xml version="1.0" encoding="utf-8"?>
 <p:sld xmlns:a="http://schemas.openxmlformats.org/drawingml/2006/main" xmlns:r="http://schemas.openxmlformats.org/officeDocument/2006/relationships" xmlns:p="http://schemas.openxmlformats.org/presentationml/2006/main">
   <p:cSld>
     <p:spTree>
@@ -4566,7 +4875,7 @@
         <p:spPr>
           <a:xfrm>
             <a:off x="179512" y="147990"/>
-            <a:ext cx="8784976" cy="4801314"/>
+            <a:ext cx="8784976" cy="4247317"/>
           </a:xfrm>
           <a:prstGeom prst="rect">
             <a:avLst/>
@@ -4629,29 +4938,6 @@
             <a:r>
               <a:rPr lang="ko-KR" altLang="en-US" dirty="0" smtClean="0"/>
               <a:t> 탐색을 사용</a:t>
-            </a:r>
-            <a:endParaRPr lang="en-US" altLang="ko-KR" dirty="0" smtClean="0"/>
-          </a:p>
-          <a:p>
-            <a:pPr marL="742950" lvl="1" indent="-285750">
-              <a:buFontTx/>
-              <a:buChar char="-"/>
-            </a:pPr>
-            <a:r>
-              <a:rPr lang="ko-KR" altLang="en-US" dirty="0" err="1" smtClean="0"/>
-              <a:t>그리드</a:t>
-            </a:r>
-            <a:r>
-              <a:rPr lang="ko-KR" altLang="en-US" dirty="0" smtClean="0"/>
-              <a:t> 탐색 </a:t>
-            </a:r>
-            <a:r>
-              <a:rPr lang="en-US" altLang="ko-KR" dirty="0" smtClean="0"/>
-              <a:t>: </a:t>
-            </a:r>
-            <a:r>
-              <a:rPr lang="ko-KR" altLang="en-US" dirty="0" smtClean="0"/>
-              <a:t>매개변수들의 여러 조합들을 테스트해서 가장 좋은 성능을 내는 매개변수를 찾음</a:t>
             </a:r>
             <a:endParaRPr lang="en-US" altLang="ko-KR" dirty="0" smtClean="0"/>
           </a:p>
@@ -4915,7 +5201,7 @@
 </p:sld>
 </file>
 
-<file path=ppt/slides/slide15.xml><?xml version="1.0" encoding="utf-8"?>
+<file path=ppt/slides/slide16.xml><?xml version="1.0" encoding="utf-8"?>
 <p:sld xmlns:a="http://schemas.openxmlformats.org/drawingml/2006/main" xmlns:r="http://schemas.openxmlformats.org/officeDocument/2006/relationships" xmlns:p="http://schemas.openxmlformats.org/presentationml/2006/main">
   <p:cSld>
     <p:spTree>
@@ -5112,7 +5398,7 @@
 </p:sld>
 </file>
 
-<file path=ppt/slides/slide16.xml><?xml version="1.0" encoding="utf-8"?>
+<file path=ppt/slides/slide17.xml><?xml version="1.0" encoding="utf-8"?>
 <p:sld xmlns:a="http://schemas.openxmlformats.org/drawingml/2006/main" xmlns:r="http://schemas.openxmlformats.org/officeDocument/2006/relationships" xmlns:p="http://schemas.openxmlformats.org/presentationml/2006/main">
   <p:cSld>
     <p:spTree>
@@ -5354,7 +5640,7 @@
 </p:sld>
 </file>
 
-<file path=ppt/slides/slide17.xml><?xml version="1.0" encoding="utf-8"?>
+<file path=ppt/slides/slide18.xml><?xml version="1.0" encoding="utf-8"?>
 <p:sld xmlns:a="http://schemas.openxmlformats.org/drawingml/2006/main" xmlns:r="http://schemas.openxmlformats.org/officeDocument/2006/relationships" xmlns:p="http://schemas.openxmlformats.org/presentationml/2006/main">
   <p:cSld>
     <p:spTree>
@@ -5590,7 +5876,7 @@
 </p:sld>
 </file>
 
-<file path=ppt/slides/slide18.xml><?xml version="1.0" encoding="utf-8"?>
+<file path=ppt/slides/slide19.xml><?xml version="1.0" encoding="utf-8"?>
 <p:sld xmlns:a="http://schemas.openxmlformats.org/drawingml/2006/main" xmlns:r="http://schemas.openxmlformats.org/officeDocument/2006/relationships" xmlns:p="http://schemas.openxmlformats.org/presentationml/2006/main">
   <p:cSld>
     <p:spTree>
@@ -5935,7 +6221,61 @@
 </p:sld>
 </file>
 
-<file path=ppt/slides/slide19.xml><?xml version="1.0" encoding="utf-8"?>
+<file path=ppt/slides/slide2.xml><?xml version="1.0" encoding="utf-8"?>
+<p:sld xmlns:a="http://schemas.openxmlformats.org/drawingml/2006/main" xmlns:r="http://schemas.openxmlformats.org/officeDocument/2006/relationships" xmlns:p="http://schemas.openxmlformats.org/presentationml/2006/main">
+  <p:cSld>
+    <p:spTree>
+      <p:nvGrpSpPr>
+        <p:cNvPr id="1" name=""/>
+        <p:cNvGrpSpPr/>
+        <p:nvPr/>
+      </p:nvGrpSpPr>
+      <p:grpSpPr>
+        <a:xfrm>
+          <a:off x="0" y="0"/>
+          <a:ext cx="0" cy="0"/>
+          <a:chOff x="0" y="0"/>
+          <a:chExt cx="0" cy="0"/>
+        </a:xfrm>
+      </p:grpSpPr>
+      <p:pic>
+        <p:nvPicPr>
+          <p:cNvPr id="8" name="그림 7"/>
+          <p:cNvPicPr>
+            <a:picLocks noChangeAspect="1"/>
+          </p:cNvPicPr>
+          <p:nvPr/>
+        </p:nvPicPr>
+        <p:blipFill>
+          <a:blip r:embed="rId2"/>
+          <a:stretch>
+            <a:fillRect/>
+          </a:stretch>
+        </p:blipFill>
+        <p:spPr>
+          <a:xfrm>
+            <a:off x="0" y="921667"/>
+            <a:ext cx="9144000" cy="5014665"/>
+          </a:xfrm>
+          <a:prstGeom prst="rect">
+            <a:avLst/>
+          </a:prstGeom>
+        </p:spPr>
+      </p:pic>
+    </p:spTree>
+    <p:extLst>
+      <p:ext uri="{BB962C8B-B14F-4D97-AF65-F5344CB8AC3E}">
+        <p14:creationId xmlns:p14="http://schemas.microsoft.com/office/powerpoint/2010/main" val="3038850873"/>
+      </p:ext>
+    </p:extLst>
+  </p:cSld>
+  <p:clrMapOvr>
+    <a:masterClrMapping/>
+  </p:clrMapOvr>
+</p:sld>
+</file>
+
+<file path=ppt/slides/slide20.xml><?xml version="1.0" encoding="utf-8"?>
 <p:sld xmlns:a="http://schemas.openxmlformats.org/drawingml/2006/main" xmlns:r="http://schemas.openxmlformats.org/officeDocument/2006/relationships" xmlns:p="http://schemas.openxmlformats.org/presentationml/2006/main">
   <p:cSld>
     <p:spTree>
@@ -6207,83 +6547,7 @@
 </p:sld>
 </file>
 
-<file path=ppt/slides/slide2.xml><?xml version="1.0" encoding="utf-8"?>
-<p:sld xmlns:a="http://schemas.openxmlformats.org/drawingml/2006/main" xmlns:r="http://schemas.openxmlformats.org/officeDocument/2006/relationships" xmlns:p="http://schemas.openxmlformats.org/presentationml/2006/main">
-  <p:cSld>
-    <p:spTree>
-      <p:nvGrpSpPr>
-        <p:cNvPr id="1" name=""/>
-        <p:cNvGrpSpPr/>
-        <p:nvPr/>
-      </p:nvGrpSpPr>
-      <p:grpSpPr>
-        <a:xfrm>
-          <a:off x="0" y="0"/>
-          <a:ext cx="0" cy="0"/>
-          <a:chOff x="0" y="0"/>
-          <a:chExt cx="0" cy="0"/>
-        </a:xfrm>
-      </p:grpSpPr>
-      <p:sp>
-        <p:nvSpPr>
-          <p:cNvPr id="2" name="제목 1"/>
-          <p:cNvSpPr>
-            <a:spLocks noGrp="1"/>
-          </p:cNvSpPr>
-          <p:nvPr>
-            <p:ph type="ctrTitle"/>
-          </p:nvPr>
-        </p:nvSpPr>
-        <p:spPr/>
-        <p:txBody>
-          <a:bodyPr/>
-          <a:lstStyle/>
-          <a:p>
-            <a:r>
-              <a:rPr lang="ko-KR" altLang="en-US" dirty="0" smtClean="0"/>
-              <a:t>선형 회귀</a:t>
-            </a:r>
-            <a:r>
-              <a:rPr lang="en-US" altLang="ko-KR" dirty="0" smtClean="0"/>
-              <a:t>(Linear Regression)</a:t>
-            </a:r>
-            <a:endParaRPr lang="ko-KR" altLang="en-US" dirty="0"/>
-          </a:p>
-        </p:txBody>
-      </p:sp>
-      <p:sp>
-        <p:nvSpPr>
-          <p:cNvPr id="3" name="부제목 2"/>
-          <p:cNvSpPr>
-            <a:spLocks noGrp="1"/>
-          </p:cNvSpPr>
-          <p:nvPr>
-            <p:ph type="subTitle" idx="1"/>
-          </p:nvPr>
-        </p:nvSpPr>
-        <p:spPr/>
-        <p:txBody>
-          <a:bodyPr/>
-          <a:lstStyle/>
-          <a:p>
-            <a:endParaRPr lang="ko-KR" altLang="en-US"/>
-          </a:p>
-        </p:txBody>
-      </p:sp>
-    </p:spTree>
-    <p:extLst>
-      <p:ext uri="{BB962C8B-B14F-4D97-AF65-F5344CB8AC3E}">
-        <p14:creationId xmlns:p14="http://schemas.microsoft.com/office/powerpoint/2010/main" val="3038850873"/>
-      </p:ext>
-    </p:extLst>
-  </p:cSld>
-  <p:clrMapOvr>
-    <a:masterClrMapping/>
-  </p:clrMapOvr>
-</p:sld>
-</file>
-
-<file path=ppt/slides/slide20.xml><?xml version="1.0" encoding="utf-8"?>
+<file path=ppt/slides/slide21.xml><?xml version="1.0" encoding="utf-8"?>
 <p:sld xmlns:a="http://schemas.openxmlformats.org/drawingml/2006/main" xmlns:r="http://schemas.openxmlformats.org/officeDocument/2006/relationships" xmlns:p="http://schemas.openxmlformats.org/presentationml/2006/main">
   <p:cSld>
     <p:spTree>
@@ -6570,7 +6834,7 @@
 </p:sld>
 </file>
 
-<file path=ppt/slides/slide21.xml><?xml version="1.0" encoding="utf-8"?>
+<file path=ppt/slides/slide22.xml><?xml version="1.0" encoding="utf-8"?>
 <p:sld xmlns:a="http://schemas.openxmlformats.org/drawingml/2006/main" xmlns:r="http://schemas.openxmlformats.org/officeDocument/2006/relationships" xmlns:p="http://schemas.openxmlformats.org/presentationml/2006/main">
   <p:cSld>
     <p:spTree>
@@ -6815,7 +7079,7 @@
 </p:sld>
 </file>
 
-<file path=ppt/slides/slide22.xml><?xml version="1.0" encoding="utf-8"?>
+<file path=ppt/slides/slide23.xml><?xml version="1.0" encoding="utf-8"?>
 <p:sld xmlns:a="http://schemas.openxmlformats.org/drawingml/2006/main" xmlns:r="http://schemas.openxmlformats.org/officeDocument/2006/relationships" xmlns:p="http://schemas.openxmlformats.org/presentationml/2006/main">
   <p:cSld>
     <p:spTree>
@@ -7119,7 +7383,7 @@
 </p:sld>
 </file>
 
-<file path=ppt/slides/slide23.xml><?xml version="1.0" encoding="utf-8"?>
+<file path=ppt/slides/slide24.xml><?xml version="1.0" encoding="utf-8"?>
 <p:sld xmlns:a="http://schemas.openxmlformats.org/drawingml/2006/main" xmlns:r="http://schemas.openxmlformats.org/officeDocument/2006/relationships" xmlns:p="http://schemas.openxmlformats.org/presentationml/2006/main">
   <p:cSld>
     <p:spTree>
@@ -7394,7 +7658,7 @@
 </p:sld>
 </file>
 
-<file path=ppt/slides/slide24.xml><?xml version="1.0" encoding="utf-8"?>
+<file path=ppt/slides/slide25.xml><?xml version="1.0" encoding="utf-8"?>
 <p:sld xmlns:a="http://schemas.openxmlformats.org/drawingml/2006/main" xmlns:r="http://schemas.openxmlformats.org/officeDocument/2006/relationships" xmlns:p="http://schemas.openxmlformats.org/presentationml/2006/main">
   <p:cSld>
     <p:spTree>
@@ -7565,7 +7829,7 @@
 </p:sld>
 </file>
 
-<file path=ppt/slides/slide25.xml><?xml version="1.0" encoding="utf-8"?>
+<file path=ppt/slides/slide26.xml><?xml version="1.0" encoding="utf-8"?>
 <p:sld xmlns:a="http://schemas.openxmlformats.org/drawingml/2006/main" xmlns:r="http://schemas.openxmlformats.org/officeDocument/2006/relationships" xmlns:p="http://schemas.openxmlformats.org/presentationml/2006/main">
   <p:cSld>
     <p:spTree>
@@ -7911,7 +8175,7 @@
 </p:sld>
 </file>
 
-<file path=ppt/slides/slide26.xml><?xml version="1.0" encoding="utf-8"?>
+<file path=ppt/slides/slide27.xml><?xml version="1.0" encoding="utf-8"?>
 <p:sld xmlns:a="http://schemas.openxmlformats.org/drawingml/2006/main" xmlns:r="http://schemas.openxmlformats.org/officeDocument/2006/relationships" xmlns:p="http://schemas.openxmlformats.org/presentationml/2006/main">
   <p:cSld>
     <p:spTree>
@@ -8289,7 +8553,7 @@
 </p:sld>
 </file>
 
-<file path=ppt/slides/slide27.xml><?xml version="1.0" encoding="utf-8"?>
+<file path=ppt/slides/slide28.xml><?xml version="1.0" encoding="utf-8"?>
 <p:sld xmlns:a="http://schemas.openxmlformats.org/drawingml/2006/main" xmlns:r="http://schemas.openxmlformats.org/officeDocument/2006/relationships" xmlns:p="http://schemas.openxmlformats.org/presentationml/2006/main">
   <p:cSld>
     <p:spTree>
@@ -8747,7 +9011,7 @@
 </p:sld>
 </file>
 
-<file path=ppt/slides/slide28.xml><?xml version="1.0" encoding="utf-8"?>
+<file path=ppt/slides/slide29.xml><?xml version="1.0" encoding="utf-8"?>
 <p:sld xmlns:a="http://schemas.openxmlformats.org/drawingml/2006/main" xmlns:r="http://schemas.openxmlformats.org/officeDocument/2006/relationships" xmlns:p="http://schemas.openxmlformats.org/presentationml/2006/main">
   <p:cSld>
     <p:spTree>
@@ -9146,7 +9410,61 @@
 </p:sld>
 </file>
 
-<file path=ppt/slides/slide29.xml><?xml version="1.0" encoding="utf-8"?>
+<file path=ppt/slides/slide3.xml><?xml version="1.0" encoding="utf-8"?>
+<p:sld xmlns:a="http://schemas.openxmlformats.org/drawingml/2006/main" xmlns:r="http://schemas.openxmlformats.org/officeDocument/2006/relationships" xmlns:p="http://schemas.openxmlformats.org/presentationml/2006/main">
+  <p:cSld>
+    <p:spTree>
+      <p:nvGrpSpPr>
+        <p:cNvPr id="1" name=""/>
+        <p:cNvGrpSpPr/>
+        <p:nvPr/>
+      </p:nvGrpSpPr>
+      <p:grpSpPr>
+        <a:xfrm>
+          <a:off x="0" y="0"/>
+          <a:ext cx="0" cy="0"/>
+          <a:chOff x="0" y="0"/>
+          <a:chExt cx="0" cy="0"/>
+        </a:xfrm>
+      </p:grpSpPr>
+      <p:pic>
+        <p:nvPicPr>
+          <p:cNvPr id="7" name="그림 6"/>
+          <p:cNvPicPr>
+            <a:picLocks noChangeAspect="1"/>
+          </p:cNvPicPr>
+          <p:nvPr/>
+        </p:nvPicPr>
+        <p:blipFill>
+          <a:blip r:embed="rId2"/>
+          <a:stretch>
+            <a:fillRect/>
+          </a:stretch>
+        </p:blipFill>
+        <p:spPr>
+          <a:xfrm>
+            <a:off x="271462" y="661987"/>
+            <a:ext cx="8601075" cy="5534025"/>
+          </a:xfrm>
+          <a:prstGeom prst="rect">
+            <a:avLst/>
+          </a:prstGeom>
+        </p:spPr>
+      </p:pic>
+    </p:spTree>
+    <p:extLst>
+      <p:ext uri="{BB962C8B-B14F-4D97-AF65-F5344CB8AC3E}">
+        <p14:creationId xmlns:p14="http://schemas.microsoft.com/office/powerpoint/2010/main" val="2535066151"/>
+      </p:ext>
+    </p:extLst>
+  </p:cSld>
+  <p:clrMapOvr>
+    <a:masterClrMapping/>
+  </p:clrMapOvr>
+</p:sld>
+</file>
+
+<file path=ppt/slides/slide30.xml><?xml version="1.0" encoding="utf-8"?>
 <p:sld xmlns:a="http://schemas.openxmlformats.org/drawingml/2006/main" xmlns:r="http://schemas.openxmlformats.org/officeDocument/2006/relationships" xmlns:p="http://schemas.openxmlformats.org/presentationml/2006/main">
   <p:cSld>
     <p:spTree>
@@ -9547,271 +9865,7 @@
 </p:sld>
 </file>
 
-<file path=ppt/slides/slide3.xml><?xml version="1.0" encoding="utf-8"?>
-<p:sld xmlns:a="http://schemas.openxmlformats.org/drawingml/2006/main" xmlns:r="http://schemas.openxmlformats.org/officeDocument/2006/relationships" xmlns:p="http://schemas.openxmlformats.org/presentationml/2006/main">
-  <p:cSld>
-    <p:spTree>
-      <p:nvGrpSpPr>
-        <p:cNvPr id="1" name=""/>
-        <p:cNvGrpSpPr/>
-        <p:nvPr/>
-      </p:nvGrpSpPr>
-      <p:grpSpPr>
-        <a:xfrm>
-          <a:off x="0" y="0"/>
-          <a:ext cx="0" cy="0"/>
-          <a:chOff x="0" y="0"/>
-          <a:chExt cx="0" cy="0"/>
-        </a:xfrm>
-      </p:grpSpPr>
-      <p:sp>
-        <p:nvSpPr>
-          <p:cNvPr id="4" name="TextBox 3"/>
-          <p:cNvSpPr txBox="1"/>
-          <p:nvPr/>
-        </p:nvSpPr>
-        <p:spPr>
-          <a:xfrm>
-            <a:off x="179512" y="147990"/>
-            <a:ext cx="8784976" cy="4801314"/>
-          </a:xfrm>
-          <a:prstGeom prst="rect">
-            <a:avLst/>
-          </a:prstGeom>
-          <a:noFill/>
-        </p:spPr>
-        <p:txBody>
-          <a:bodyPr wrap="square" rtlCol="0">
-            <a:spAutoFit/>
-          </a:bodyPr>
-          <a:lstStyle/>
-          <a:p>
-            <a:r>
-              <a:rPr lang="ko-KR" altLang="en-US" b="1" dirty="0" smtClean="0"/>
-              <a:t>개요</a:t>
-            </a:r>
-            <a:endParaRPr lang="en-US" altLang="ko-KR" b="1" dirty="0" smtClean="0"/>
-          </a:p>
-          <a:p>
-            <a:endParaRPr lang="en-US" altLang="ko-KR" b="1" dirty="0" smtClean="0"/>
-          </a:p>
-          <a:p>
-            <a:r>
-              <a:rPr lang="ko-KR" altLang="en-US" b="1" dirty="0" smtClean="0"/>
-              <a:t>선형회귀</a:t>
-            </a:r>
-            <a:r>
-              <a:rPr lang="en-US" altLang="ko-KR" b="1" dirty="0" smtClean="0"/>
-              <a:t>(Linear Regression) </a:t>
-            </a:r>
-            <a:r>
-              <a:rPr lang="ko-KR" altLang="en-US" b="1" dirty="0" smtClean="0"/>
-              <a:t>모델 훈련 방법</a:t>
-            </a:r>
-            <a:endParaRPr lang="en-US" altLang="ko-KR" b="1" dirty="0" smtClean="0"/>
-          </a:p>
-          <a:p>
-            <a:pPr marL="285750" indent="-285750">
-              <a:buFontTx/>
-              <a:buChar char="-"/>
-            </a:pPr>
-            <a:r>
-              <a:rPr lang="ko-KR" altLang="en-US" dirty="0" smtClean="0"/>
-              <a:t>직접 계산할 수 있는 공식을 사용하여 훈련 세트에 가장 잘 맞는 모델 </a:t>
-            </a:r>
-            <a:r>
-              <a:rPr lang="ko-KR" altLang="en-US" dirty="0" err="1" smtClean="0"/>
-              <a:t>파라미터</a:t>
-            </a:r>
-            <a:r>
-              <a:rPr lang="en-US" altLang="ko-KR" dirty="0" smtClean="0"/>
-              <a:t>(</a:t>
-            </a:r>
-            <a:r>
-              <a:rPr lang="ko-KR" altLang="en-US" dirty="0" smtClean="0"/>
-              <a:t>훈련 세트에 대해 비용 함수를 최소화하는 모델 </a:t>
-            </a:r>
-            <a:r>
-              <a:rPr lang="ko-KR" altLang="en-US" dirty="0" err="1" smtClean="0"/>
-              <a:t>파라미터</a:t>
-            </a:r>
-            <a:r>
-              <a:rPr lang="en-US" altLang="ko-KR" dirty="0" smtClean="0"/>
-              <a:t>)</a:t>
-            </a:r>
-            <a:r>
-              <a:rPr lang="ko-KR" altLang="en-US" dirty="0" smtClean="0"/>
-              <a:t>를 해석적으로 구함</a:t>
-            </a:r>
-            <a:endParaRPr lang="en-US" altLang="ko-KR" dirty="0" smtClean="0"/>
-          </a:p>
-          <a:p>
-            <a:pPr marL="285750" indent="-285750">
-              <a:buFontTx/>
-              <a:buChar char="-"/>
-            </a:pPr>
-            <a:r>
-              <a:rPr lang="ko-KR" altLang="en-US" dirty="0" smtClean="0"/>
-              <a:t>경사 </a:t>
-            </a:r>
-            <a:r>
-              <a:rPr lang="ko-KR" altLang="en-US" dirty="0" err="1" smtClean="0"/>
-              <a:t>하강법</a:t>
-            </a:r>
-            <a:r>
-              <a:rPr lang="en-US" altLang="ko-KR" dirty="0" smtClean="0"/>
-              <a:t>(GD)</a:t>
-            </a:r>
-            <a:r>
-              <a:rPr lang="ko-KR" altLang="en-US" dirty="0" smtClean="0"/>
-              <a:t>이라 불리는 반복적인 최적화 방식을 사용하여 모델 </a:t>
-            </a:r>
-            <a:r>
-              <a:rPr lang="ko-KR" altLang="en-US" dirty="0" err="1" smtClean="0"/>
-              <a:t>파라미터를</a:t>
-            </a:r>
-            <a:r>
-              <a:rPr lang="ko-KR" altLang="en-US" dirty="0" smtClean="0"/>
-              <a:t> 조금씩 바꾸면서 비용 함수를 훈련 세트에 대해 최소화</a:t>
-            </a:r>
-            <a:r>
-              <a:rPr lang="en-US" altLang="ko-KR" dirty="0" smtClean="0"/>
-              <a:t>. </a:t>
-            </a:r>
-            <a:r>
-              <a:rPr lang="ko-KR" altLang="en-US" dirty="0" smtClean="0"/>
-              <a:t>결국에는 앞의 방법과 동일한 </a:t>
-            </a:r>
-            <a:r>
-              <a:rPr lang="ko-KR" altLang="en-US" dirty="0" err="1" smtClean="0"/>
-              <a:t>파라미터로</a:t>
-            </a:r>
-            <a:r>
-              <a:rPr lang="ko-KR" altLang="en-US" dirty="0" smtClean="0"/>
-              <a:t> 수렴</a:t>
-            </a:r>
-            <a:endParaRPr lang="en-US" altLang="ko-KR" dirty="0" smtClean="0"/>
-          </a:p>
-          <a:p>
-            <a:endParaRPr lang="en-US" altLang="ko-KR" dirty="0"/>
-          </a:p>
-          <a:p>
-            <a:r>
-              <a:rPr lang="ko-KR" altLang="en-US" b="1" dirty="0" smtClean="0"/>
-              <a:t>다항 회귀</a:t>
-            </a:r>
-            <a:r>
-              <a:rPr lang="en-US" altLang="ko-KR" b="1" dirty="0" smtClean="0"/>
-              <a:t>(Polynomial Regression)</a:t>
-            </a:r>
-          </a:p>
-          <a:p>
-            <a:pPr marL="285750" indent="-285750">
-              <a:buFontTx/>
-              <a:buChar char="-"/>
-            </a:pPr>
-            <a:r>
-              <a:rPr lang="ko-KR" altLang="en-US" dirty="0" smtClean="0"/>
-              <a:t>선형 회귀보다 </a:t>
-            </a:r>
-            <a:r>
-              <a:rPr lang="ko-KR" altLang="en-US" dirty="0" err="1" smtClean="0"/>
-              <a:t>파라미터가</a:t>
-            </a:r>
-            <a:r>
-              <a:rPr lang="ko-KR" altLang="en-US" dirty="0" smtClean="0"/>
-              <a:t> 많아서 훈련 데이터에 </a:t>
-            </a:r>
-            <a:r>
-              <a:rPr lang="ko-KR" altLang="en-US" dirty="0" err="1" smtClean="0"/>
-              <a:t>과대적합되기</a:t>
-            </a:r>
-            <a:r>
-              <a:rPr lang="ko-KR" altLang="en-US" dirty="0" smtClean="0"/>
-              <a:t> 더 쉬우므로 학습 곡선</a:t>
-            </a:r>
-            <a:r>
-              <a:rPr lang="en-US" altLang="ko-KR" dirty="0" smtClean="0"/>
-              <a:t>(Learning Curve)</a:t>
-            </a:r>
-            <a:r>
-              <a:rPr lang="ko-KR" altLang="en-US" dirty="0" smtClean="0"/>
-              <a:t>을 사용해 모델이 </a:t>
-            </a:r>
-            <a:r>
-              <a:rPr lang="ko-KR" altLang="en-US" dirty="0" err="1" smtClean="0"/>
-              <a:t>과대적합되는지</a:t>
-            </a:r>
-            <a:r>
-              <a:rPr lang="ko-KR" altLang="en-US" dirty="0" smtClean="0"/>
-              <a:t> 감지하는 방법을 살펴봄</a:t>
-            </a:r>
-            <a:endParaRPr lang="en-US" altLang="ko-KR" dirty="0" smtClean="0"/>
-          </a:p>
-          <a:p>
-            <a:pPr marL="285750" indent="-285750">
-              <a:buFontTx/>
-              <a:buChar char="-"/>
-            </a:pPr>
-            <a:r>
-              <a:rPr lang="ko-KR" altLang="en-US" dirty="0" smtClean="0"/>
-              <a:t>그런 다음 훈련 세트의 과대적합을 감소시킬 수 있는 규제 기법을 몇 가지 알아 봄</a:t>
-            </a:r>
-            <a:endParaRPr lang="en-US" altLang="ko-KR" dirty="0" smtClean="0"/>
-          </a:p>
-          <a:p>
-            <a:endParaRPr lang="en-US" altLang="ko-KR" dirty="0"/>
-          </a:p>
-          <a:p>
-            <a:r>
-              <a:rPr lang="ko-KR" altLang="en-US" b="1" dirty="0" smtClean="0"/>
-              <a:t>그 외 회귀</a:t>
-            </a:r>
-            <a:endParaRPr lang="en-US" altLang="ko-KR" b="1" dirty="0" smtClean="0"/>
-          </a:p>
-          <a:p>
-            <a:pPr marL="285750" indent="-285750">
-              <a:buFontTx/>
-              <a:buChar char="-"/>
-            </a:pPr>
-            <a:r>
-              <a:rPr lang="ko-KR" altLang="en-US" dirty="0" smtClean="0"/>
-              <a:t>분류 작업에 널리 사용하는 모델인 </a:t>
-            </a:r>
-            <a:r>
-              <a:rPr lang="ko-KR" altLang="en-US" dirty="0" err="1" smtClean="0"/>
-              <a:t>로지스틱</a:t>
-            </a:r>
-            <a:r>
-              <a:rPr lang="ko-KR" altLang="en-US" dirty="0" smtClean="0"/>
-              <a:t> 회귀와 </a:t>
-            </a:r>
-            <a:r>
-              <a:rPr lang="ko-KR" altLang="en-US" dirty="0" err="1" smtClean="0"/>
-              <a:t>소프트맥스</a:t>
-            </a:r>
-            <a:r>
-              <a:rPr lang="ko-KR" altLang="en-US" dirty="0" smtClean="0"/>
-              <a:t> 회귀를 살펴봄</a:t>
-            </a:r>
-            <a:endParaRPr lang="en-US" altLang="ko-KR" dirty="0" smtClean="0"/>
-          </a:p>
-        </p:txBody>
-      </p:sp>
-    </p:spTree>
-    <p:extLst>
-      <p:ext uri="{BB962C8B-B14F-4D97-AF65-F5344CB8AC3E}">
-        <p14:creationId xmlns:p14="http://schemas.microsoft.com/office/powerpoint/2010/main" val="3561493694"/>
-      </p:ext>
-    </p:extLst>
-  </p:cSld>
-  <p:clrMapOvr>
-    <a:masterClrMapping/>
-  </p:clrMapOvr>
-</p:sld>
-</file>
-
-<file path=ppt/slides/slide30.xml><?xml version="1.0" encoding="utf-8"?>
+<file path=ppt/slides/slide31.xml><?xml version="1.0" encoding="utf-8"?>
 <p:sld xmlns:a="http://schemas.openxmlformats.org/drawingml/2006/main" xmlns:r="http://schemas.openxmlformats.org/officeDocument/2006/relationships" xmlns:p="http://schemas.openxmlformats.org/presentationml/2006/main">
   <p:cSld>
     <p:spTree>
@@ -10156,7 +10210,7 @@
 </p:sld>
 </file>
 
-<file path=ppt/slides/slide31.xml><?xml version="1.0" encoding="utf-8"?>
+<file path=ppt/slides/slide32.xml><?xml version="1.0" encoding="utf-8"?>
 <p:sld xmlns:a="http://schemas.openxmlformats.org/drawingml/2006/main" xmlns:r="http://schemas.openxmlformats.org/officeDocument/2006/relationships" xmlns:p="http://schemas.openxmlformats.org/presentationml/2006/main">
   <p:cSld>
     <p:spTree>
@@ -10593,7 +10647,7 @@
 </p:sld>
 </file>
 
-<file path=ppt/slides/slide32.xml><?xml version="1.0" encoding="utf-8"?>
+<file path=ppt/slides/slide33.xml><?xml version="1.0" encoding="utf-8"?>
 <p:sld xmlns:a="http://schemas.openxmlformats.org/drawingml/2006/main" xmlns:r="http://schemas.openxmlformats.org/officeDocument/2006/relationships" xmlns:p="http://schemas.openxmlformats.org/presentationml/2006/main">
   <p:cSld>
     <p:spTree>
@@ -11118,7 +11172,7 @@
 </p:sld>
 </file>
 
-<file path=ppt/slides/slide33.xml><?xml version="1.0" encoding="utf-8"?>
+<file path=ppt/slides/slide34.xml><?xml version="1.0" encoding="utf-8"?>
 <p:sld xmlns:a="http://schemas.openxmlformats.org/drawingml/2006/main" xmlns:r="http://schemas.openxmlformats.org/officeDocument/2006/relationships" xmlns:p="http://schemas.openxmlformats.org/presentationml/2006/main">
   <p:cSld>
     <p:spTree>
@@ -11381,11 +11435,7 @@
             </a:r>
             <a:r>
               <a:rPr lang="ko-KR" altLang="en-US" smtClean="0"/>
-              <a:t>에 </a:t>
-            </a:r>
-            <a:r>
-              <a:rPr lang="ko-KR" altLang="en-US" smtClean="0"/>
-              <a:t>분포하고 다른 </a:t>
+              <a:t>에 분포하고 다른 </a:t>
             </a:r>
             <a:r>
               <a:rPr lang="ko-KR" altLang="en-US" dirty="0" smtClean="0"/>
@@ -11581,7 +11631,7 @@
 </p:sld>
 </file>
 
-<file path=ppt/slides/slide34.xml><?xml version="1.0" encoding="utf-8"?>
+<file path=ppt/slides/slide35.xml><?xml version="1.0" encoding="utf-8"?>
 <p:sld xmlns:a="http://schemas.openxmlformats.org/drawingml/2006/main" xmlns:r="http://schemas.openxmlformats.org/officeDocument/2006/relationships" xmlns:p="http://schemas.openxmlformats.org/presentationml/2006/main">
   <p:cSld>
     <p:spTree>
@@ -11806,7 +11856,7 @@
 </p:sld>
 </file>
 
-<file path=ppt/slides/slide35.xml><?xml version="1.0" encoding="utf-8"?>
+<file path=ppt/slides/slide36.xml><?xml version="1.0" encoding="utf-8"?>
 <p:sld xmlns:a="http://schemas.openxmlformats.org/drawingml/2006/main" xmlns:r="http://schemas.openxmlformats.org/officeDocument/2006/relationships" xmlns:p="http://schemas.openxmlformats.org/presentationml/2006/main">
   <p:cSld>
     <p:spTree>
@@ -12243,7 +12293,7 @@
 </p:sld>
 </file>
 
-<file path=ppt/slides/slide36.xml><?xml version="1.0" encoding="utf-8"?>
+<file path=ppt/slides/slide37.xml><?xml version="1.0" encoding="utf-8"?>
 <p:sld xmlns:a="http://schemas.openxmlformats.org/drawingml/2006/main" xmlns:r="http://schemas.openxmlformats.org/officeDocument/2006/relationships" xmlns:p="http://schemas.openxmlformats.org/presentationml/2006/main">
   <p:cSld>
     <p:spTree>
@@ -12430,7 +12480,7 @@
 </p:sld>
 </file>
 
-<file path=ppt/slides/slide37.xml><?xml version="1.0" encoding="utf-8"?>
+<file path=ppt/slides/slide38.xml><?xml version="1.0" encoding="utf-8"?>
 <p:sld xmlns:a="http://schemas.openxmlformats.org/drawingml/2006/main" xmlns:r="http://schemas.openxmlformats.org/officeDocument/2006/relationships" xmlns:p="http://schemas.openxmlformats.org/presentationml/2006/main">
   <p:cSld>
     <p:spTree>
@@ -12819,7 +12869,7 @@
 </p:sld>
 </file>
 
-<file path=ppt/slides/slide38.xml><?xml version="1.0" encoding="utf-8"?>
+<file path=ppt/slides/slide39.xml><?xml version="1.0" encoding="utf-8"?>
 <p:sld xmlns:a="http://schemas.openxmlformats.org/drawingml/2006/main" xmlns:r="http://schemas.openxmlformats.org/officeDocument/2006/relationships" xmlns:p="http://schemas.openxmlformats.org/presentationml/2006/main">
   <p:cSld>
     <p:spTree>
@@ -13157,6 +13207,291 @@
 </file>
 
 <file path=ppt/slides/slide4.xml><?xml version="1.0" encoding="utf-8"?>
+<p:sld xmlns:a="http://schemas.openxmlformats.org/drawingml/2006/main" xmlns:r="http://schemas.openxmlformats.org/officeDocument/2006/relationships" xmlns:p="http://schemas.openxmlformats.org/presentationml/2006/main">
+  <p:cSld>
+    <p:spTree>
+      <p:nvGrpSpPr>
+        <p:cNvPr id="1" name=""/>
+        <p:cNvGrpSpPr/>
+        <p:nvPr/>
+      </p:nvGrpSpPr>
+      <p:grpSpPr>
+        <a:xfrm>
+          <a:off x="0" y="0"/>
+          <a:ext cx="0" cy="0"/>
+          <a:chOff x="0" y="0"/>
+          <a:chExt cx="0" cy="0"/>
+        </a:xfrm>
+      </p:grpSpPr>
+      <p:sp>
+        <p:nvSpPr>
+          <p:cNvPr id="4" name="TextBox 3"/>
+          <p:cNvSpPr txBox="1"/>
+          <p:nvPr/>
+        </p:nvSpPr>
+        <p:spPr>
+          <a:xfrm>
+            <a:off x="179512" y="147990"/>
+            <a:ext cx="8784976" cy="4801314"/>
+          </a:xfrm>
+          <a:prstGeom prst="rect">
+            <a:avLst/>
+          </a:prstGeom>
+          <a:noFill/>
+        </p:spPr>
+        <p:txBody>
+          <a:bodyPr wrap="square" rtlCol="0">
+            <a:spAutoFit/>
+          </a:bodyPr>
+          <a:lstStyle/>
+          <a:p>
+            <a:r>
+              <a:rPr lang="ko-KR" altLang="en-US" b="1" dirty="0" smtClean="0"/>
+              <a:t>개요</a:t>
+            </a:r>
+            <a:endParaRPr lang="en-US" altLang="ko-KR" b="1" dirty="0" smtClean="0"/>
+          </a:p>
+          <a:p>
+            <a:endParaRPr lang="en-US" altLang="ko-KR" b="1" dirty="0" smtClean="0"/>
+          </a:p>
+          <a:p>
+            <a:r>
+              <a:rPr lang="ko-KR" altLang="en-US" b="1" dirty="0" smtClean="0"/>
+              <a:t>가장 간단한 모델 중 하나인 선형회귀</a:t>
+            </a:r>
+            <a:r>
+              <a:rPr lang="en-US" altLang="ko-KR" b="1" dirty="0" smtClean="0"/>
+              <a:t>(Linear Regression</a:t>
+            </a:r>
+            <a:r>
+              <a:rPr lang="en-US" altLang="ko-KR" b="1" dirty="0" smtClean="0"/>
+              <a:t>)</a:t>
+            </a:r>
+            <a:endParaRPr lang="en-US" altLang="ko-KR" b="1" dirty="0" smtClean="0"/>
+          </a:p>
+          <a:p>
+            <a:pPr marL="285750" indent="-285750">
+              <a:buFontTx/>
+              <a:buChar char="-"/>
+            </a:pPr>
+            <a:r>
+              <a:rPr lang="ko-KR" altLang="en-US" dirty="0" smtClean="0"/>
+              <a:t>직접 계산할 수 있는 공식을 사용하여 훈련 세트에 가장 잘 맞는 모델 </a:t>
+            </a:r>
+            <a:r>
+              <a:rPr lang="ko-KR" altLang="en-US" dirty="0" err="1" smtClean="0"/>
+              <a:t>파라미터</a:t>
+            </a:r>
+            <a:r>
+              <a:rPr lang="en-US" altLang="ko-KR" dirty="0" smtClean="0"/>
+              <a:t>(</a:t>
+            </a:r>
+            <a:r>
+              <a:rPr lang="ko-KR" altLang="en-US" dirty="0" smtClean="0"/>
+              <a:t>훈련 세트에 대해 비용 함수를 최소화하는 모델 </a:t>
+            </a:r>
+            <a:r>
+              <a:rPr lang="ko-KR" altLang="en-US" dirty="0" err="1" smtClean="0"/>
+              <a:t>파라미터</a:t>
+            </a:r>
+            <a:r>
+              <a:rPr lang="en-US" altLang="ko-KR" dirty="0" smtClean="0"/>
+              <a:t>)</a:t>
+            </a:r>
+            <a:r>
+              <a:rPr lang="ko-KR" altLang="en-US" dirty="0" smtClean="0"/>
+              <a:t>를 해석적으로 구함</a:t>
+            </a:r>
+            <a:endParaRPr lang="en-US" altLang="ko-KR" dirty="0" smtClean="0"/>
+          </a:p>
+          <a:p>
+            <a:pPr marL="285750" indent="-285750">
+              <a:buFontTx/>
+              <a:buChar char="-"/>
+            </a:pPr>
+            <a:r>
+              <a:rPr lang="ko-KR" altLang="en-US" dirty="0" smtClean="0"/>
+              <a:t>경사 </a:t>
+            </a:r>
+            <a:r>
+              <a:rPr lang="ko-KR" altLang="en-US" dirty="0" err="1" smtClean="0"/>
+              <a:t>하강법</a:t>
+            </a:r>
+            <a:r>
+              <a:rPr lang="en-US" altLang="ko-KR" dirty="0" smtClean="0"/>
+              <a:t>(GD)</a:t>
+            </a:r>
+            <a:r>
+              <a:rPr lang="ko-KR" altLang="en-US" dirty="0" smtClean="0"/>
+              <a:t>이라 불리는 반복적인 최적화 방식을 사용하여 모델 </a:t>
+            </a:r>
+            <a:r>
+              <a:rPr lang="ko-KR" altLang="en-US" dirty="0" err="1" smtClean="0"/>
+              <a:t>파라미터를</a:t>
+            </a:r>
+            <a:r>
+              <a:rPr lang="ko-KR" altLang="en-US" dirty="0" smtClean="0"/>
+              <a:t> 조금씩 바꾸면서 비용 함수를 훈련 세트에 대해 최소화</a:t>
+            </a:r>
+            <a:r>
+              <a:rPr lang="en-US" altLang="ko-KR" dirty="0" smtClean="0"/>
+              <a:t>. </a:t>
+            </a:r>
+            <a:r>
+              <a:rPr lang="ko-KR" altLang="en-US" dirty="0" smtClean="0"/>
+              <a:t>결국에는 앞의 방법과 동일한 </a:t>
+            </a:r>
+            <a:r>
+              <a:rPr lang="ko-KR" altLang="en-US" dirty="0" err="1" smtClean="0"/>
+              <a:t>파라미터로</a:t>
+            </a:r>
+            <a:r>
+              <a:rPr lang="ko-KR" altLang="en-US" dirty="0" smtClean="0"/>
+              <a:t> 수렴</a:t>
+            </a:r>
+            <a:endParaRPr lang="en-US" altLang="ko-KR" dirty="0" smtClean="0"/>
+          </a:p>
+          <a:p>
+            <a:endParaRPr lang="en-US" altLang="ko-KR" dirty="0"/>
+          </a:p>
+          <a:p>
+            <a:r>
+              <a:rPr lang="ko-KR" altLang="en-US" b="1" dirty="0" smtClean="0"/>
+              <a:t>비선형 </a:t>
+            </a:r>
+            <a:r>
+              <a:rPr lang="ko-KR" altLang="en-US" b="1" dirty="0" err="1" smtClean="0"/>
+              <a:t>데이터셋에</a:t>
+            </a:r>
+            <a:r>
+              <a:rPr lang="ko-KR" altLang="en-US" b="1" dirty="0" smtClean="0"/>
+              <a:t> 훈련시킬 수 있는 다항 </a:t>
+            </a:r>
+            <a:r>
+              <a:rPr lang="ko-KR" altLang="en-US" b="1" dirty="0" smtClean="0"/>
+              <a:t>회귀</a:t>
+            </a:r>
+            <a:r>
+              <a:rPr lang="en-US" altLang="ko-KR" b="1" dirty="0" smtClean="0"/>
+              <a:t>(Polynomial Regression</a:t>
+            </a:r>
+            <a:r>
+              <a:rPr lang="en-US" altLang="ko-KR" b="1" dirty="0" smtClean="0"/>
+              <a:t>)</a:t>
+            </a:r>
+            <a:endParaRPr lang="en-US" altLang="ko-KR" b="1" dirty="0" smtClean="0"/>
+          </a:p>
+          <a:p>
+            <a:pPr marL="285750" indent="-285750">
+              <a:buFontTx/>
+              <a:buChar char="-"/>
+            </a:pPr>
+            <a:r>
+              <a:rPr lang="ko-KR" altLang="en-US" dirty="0" smtClean="0"/>
+              <a:t>선형 회귀보다 </a:t>
+            </a:r>
+            <a:r>
+              <a:rPr lang="ko-KR" altLang="en-US" dirty="0" err="1" smtClean="0"/>
+              <a:t>파라미터가</a:t>
+            </a:r>
+            <a:r>
+              <a:rPr lang="ko-KR" altLang="en-US" dirty="0" smtClean="0"/>
+              <a:t> 많아서 훈련 데이터에 </a:t>
+            </a:r>
+            <a:r>
+              <a:rPr lang="ko-KR" altLang="en-US" dirty="0" err="1" smtClean="0"/>
+              <a:t>과대적합되기</a:t>
+            </a:r>
+            <a:r>
+              <a:rPr lang="ko-KR" altLang="en-US" dirty="0" smtClean="0"/>
+              <a:t> 더 쉬우므로 학습 곡선</a:t>
+            </a:r>
+            <a:r>
+              <a:rPr lang="en-US" altLang="ko-KR" dirty="0" smtClean="0"/>
+              <a:t>(Learning Curve)</a:t>
+            </a:r>
+            <a:r>
+              <a:rPr lang="ko-KR" altLang="en-US" dirty="0" smtClean="0"/>
+              <a:t>을 사용해 모델이 </a:t>
+            </a:r>
+            <a:r>
+              <a:rPr lang="ko-KR" altLang="en-US" dirty="0" err="1" smtClean="0"/>
+              <a:t>과대적합되는지</a:t>
+            </a:r>
+            <a:r>
+              <a:rPr lang="ko-KR" altLang="en-US" dirty="0" smtClean="0"/>
+              <a:t> 감지하는 방법을 살펴봄</a:t>
+            </a:r>
+            <a:endParaRPr lang="en-US" altLang="ko-KR" dirty="0" smtClean="0"/>
+          </a:p>
+          <a:p>
+            <a:pPr marL="285750" indent="-285750">
+              <a:buFontTx/>
+              <a:buChar char="-"/>
+            </a:pPr>
+            <a:r>
+              <a:rPr lang="ko-KR" altLang="en-US" dirty="0" smtClean="0"/>
+              <a:t>그런 다음 훈련 세트의 과대적합을 감소시킬 수 있는 규제 기법을 몇 가지 알아 봄</a:t>
+            </a:r>
+            <a:endParaRPr lang="en-US" altLang="ko-KR" dirty="0" smtClean="0"/>
+          </a:p>
+          <a:p>
+            <a:endParaRPr lang="en-US" altLang="ko-KR" dirty="0"/>
+          </a:p>
+          <a:p>
+            <a:r>
+              <a:rPr lang="ko-KR" altLang="en-US" b="1" dirty="0" smtClean="0"/>
+              <a:t>분류 작업에 널리 사용하는 모델인 그 </a:t>
+            </a:r>
+            <a:r>
+              <a:rPr lang="ko-KR" altLang="en-US" b="1" dirty="0" smtClean="0"/>
+              <a:t>외 회귀</a:t>
+            </a:r>
+            <a:endParaRPr lang="en-US" altLang="ko-KR" b="1" dirty="0" smtClean="0"/>
+          </a:p>
+          <a:p>
+            <a:pPr marL="285750" indent="-285750">
+              <a:buFontTx/>
+              <a:buChar char="-"/>
+            </a:pPr>
+            <a:r>
+              <a:rPr lang="ko-KR" altLang="en-US" dirty="0" smtClean="0"/>
+              <a:t>분류 작업에 널리 사용하는 모델인 </a:t>
+            </a:r>
+            <a:r>
+              <a:rPr lang="ko-KR" altLang="en-US" dirty="0" err="1" smtClean="0"/>
+              <a:t>로지스틱</a:t>
+            </a:r>
+            <a:r>
+              <a:rPr lang="ko-KR" altLang="en-US" dirty="0" smtClean="0"/>
+              <a:t> 회귀와 </a:t>
+            </a:r>
+            <a:r>
+              <a:rPr lang="ko-KR" altLang="en-US" dirty="0" err="1" smtClean="0"/>
+              <a:t>소프트맥스</a:t>
+            </a:r>
+            <a:r>
+              <a:rPr lang="ko-KR" altLang="en-US" dirty="0" smtClean="0"/>
+              <a:t> 회귀를 살펴봄</a:t>
+            </a:r>
+            <a:endParaRPr lang="en-US" altLang="ko-KR" dirty="0" smtClean="0"/>
+          </a:p>
+        </p:txBody>
+      </p:sp>
+    </p:spTree>
+    <p:extLst>
+      <p:ext uri="{BB962C8B-B14F-4D97-AF65-F5344CB8AC3E}">
+        <p14:creationId xmlns:p14="http://schemas.microsoft.com/office/powerpoint/2010/main" val="3561493694"/>
+      </p:ext>
+    </p:extLst>
+  </p:cSld>
+  <p:clrMapOvr>
+    <a:masterClrMapping/>
+  </p:clrMapOvr>
+</p:sld>
+</file>
+
+<file path=ppt/slides/slide5.xml><?xml version="1.0" encoding="utf-8"?>
 <p:sld xmlns:a="http://schemas.openxmlformats.org/drawingml/2006/main" xmlns:r="http://schemas.openxmlformats.org/officeDocument/2006/relationships" xmlns:p="http://schemas.openxmlformats.org/presentationml/2006/main">
   <p:cSld>
     <p:spTree>
@@ -13350,7 +13685,7 @@
 </p:sld>
 </file>
 
-<file path=ppt/slides/slide5.xml><?xml version="1.0" encoding="utf-8"?>
+<file path=ppt/slides/slide6.xml><?xml version="1.0" encoding="utf-8"?>
 <p:sld xmlns:a="http://schemas.openxmlformats.org/drawingml/2006/main" xmlns:r="http://schemas.openxmlformats.org/officeDocument/2006/relationships" xmlns:p="http://schemas.openxmlformats.org/presentationml/2006/main">
   <p:cSld>
     <p:spTree>
@@ -13635,7 +13970,7 @@
 </p:sld>
 </file>
 
-<file path=ppt/slides/slide6.xml><?xml version="1.0" encoding="utf-8"?>
+<file path=ppt/slides/slide7.xml><?xml version="1.0" encoding="utf-8"?>
 <p:sld xmlns:a="http://schemas.openxmlformats.org/drawingml/2006/main" xmlns:r="http://schemas.openxmlformats.org/officeDocument/2006/relationships" xmlns:p="http://schemas.openxmlformats.org/presentationml/2006/main">
   <p:cSld>
     <p:spTree>
@@ -14126,7 +14461,7 @@
 </p:sld>
 </file>
 
-<file path=ppt/slides/slide7.xml><?xml version="1.0" encoding="utf-8"?>
+<file path=ppt/slides/slide8.xml><?xml version="1.0" encoding="utf-8"?>
 <p:sld xmlns:a="http://schemas.openxmlformats.org/drawingml/2006/main" xmlns:r="http://schemas.openxmlformats.org/officeDocument/2006/relationships" xmlns:p="http://schemas.openxmlformats.org/presentationml/2006/main">
   <p:cSld>
     <p:spTree>
@@ -14281,7 +14616,7 @@
 </p:sld>
 </file>
 
-<file path=ppt/slides/slide8.xml><?xml version="1.0" encoding="utf-8"?>
+<file path=ppt/slides/slide9.xml><?xml version="1.0" encoding="utf-8"?>
 <p:sld xmlns:a="http://schemas.openxmlformats.org/drawingml/2006/main" xmlns:r="http://schemas.openxmlformats.org/officeDocument/2006/relationships" xmlns:p="http://schemas.openxmlformats.org/presentationml/2006/main">
   <p:cSld>
     <p:spTree>
@@ -14582,314 +14917,6 @@
     <p:extLst>
       <p:ext uri="{BB962C8B-B14F-4D97-AF65-F5344CB8AC3E}">
         <p14:creationId xmlns:p14="http://schemas.microsoft.com/office/powerpoint/2010/main" val="2760194138"/>
-      </p:ext>
-    </p:extLst>
-  </p:cSld>
-  <p:clrMapOvr>
-    <a:masterClrMapping/>
-  </p:clrMapOvr>
-</p:sld>
-</file>
-
-<file path=ppt/slides/slide9.xml><?xml version="1.0" encoding="utf-8"?>
-<p:sld xmlns:a="http://schemas.openxmlformats.org/drawingml/2006/main" xmlns:r="http://schemas.openxmlformats.org/officeDocument/2006/relationships" xmlns:p="http://schemas.openxmlformats.org/presentationml/2006/main">
-  <p:cSld>
-    <p:spTree>
-      <p:nvGrpSpPr>
-        <p:cNvPr id="1" name=""/>
-        <p:cNvGrpSpPr/>
-        <p:nvPr/>
-      </p:nvGrpSpPr>
-      <p:grpSpPr>
-        <a:xfrm>
-          <a:off x="0" y="0"/>
-          <a:ext cx="0" cy="0"/>
-          <a:chOff x="0" y="0"/>
-          <a:chExt cx="0" cy="0"/>
-        </a:xfrm>
-      </p:grpSpPr>
-      <p:sp>
-        <p:nvSpPr>
-          <p:cNvPr id="4" name="TextBox 3"/>
-          <p:cNvSpPr txBox="1"/>
-          <p:nvPr/>
-        </p:nvSpPr>
-        <p:spPr>
-          <a:xfrm>
-            <a:off x="179512" y="147990"/>
-            <a:ext cx="8784976" cy="4524315"/>
-          </a:xfrm>
-          <a:prstGeom prst="rect">
-            <a:avLst/>
-          </a:prstGeom>
-          <a:noFill/>
-        </p:spPr>
-        <p:txBody>
-          <a:bodyPr wrap="square" rtlCol="0">
-            <a:spAutoFit/>
-          </a:bodyPr>
-          <a:lstStyle/>
-          <a:p>
-            <a:r>
-              <a:rPr lang="ko-KR" altLang="en-US" b="1" dirty="0" smtClean="0"/>
-              <a:t>경사 </a:t>
-            </a:r>
-            <a:r>
-              <a:rPr lang="ko-KR" altLang="en-US" b="1" dirty="0" err="1" smtClean="0"/>
-              <a:t>하강법</a:t>
-            </a:r>
-            <a:r>
-              <a:rPr lang="en-US" altLang="ko-KR" b="1" dirty="0" smtClean="0"/>
-              <a:t> </a:t>
-            </a:r>
-            <a:r>
-              <a:rPr lang="ko-KR" altLang="en-US" b="1" dirty="0" err="1" smtClean="0"/>
-              <a:t>학습률</a:t>
-            </a:r>
-            <a:r>
-              <a:rPr lang="en-US" altLang="ko-KR" b="1" dirty="0" smtClean="0"/>
-              <a:t>(Learning Rate)</a:t>
-            </a:r>
-            <a:endParaRPr lang="en-US" altLang="ko-KR" dirty="0" smtClean="0"/>
-          </a:p>
-          <a:p>
-            <a:pPr marL="285750" indent="-285750">
-              <a:buFontTx/>
-              <a:buChar char="-"/>
-            </a:pPr>
-            <a:r>
-              <a:rPr lang="ko-KR" altLang="en-US" dirty="0" err="1"/>
-              <a:t>학습률이</a:t>
-            </a:r>
-            <a:r>
-              <a:rPr lang="ko-KR" altLang="en-US" dirty="0"/>
-              <a:t> 너무 작으면 알고리즘이 수렴하기 위해 반복을 많이 진행해야 하므로 시간이 </a:t>
-            </a:r>
-            <a:r>
-              <a:rPr lang="ko-KR" altLang="en-US" dirty="0" smtClean="0"/>
-              <a:t>오래 걸림</a:t>
-            </a:r>
-            <a:endParaRPr lang="en-US" altLang="ko-KR" dirty="0" smtClean="0"/>
-          </a:p>
-          <a:p>
-            <a:pPr marL="285750" indent="-285750">
-              <a:buFontTx/>
-              <a:buChar char="-"/>
-            </a:pPr>
-            <a:endParaRPr lang="en-US" altLang="ko-KR" dirty="0"/>
-          </a:p>
-          <a:p>
-            <a:pPr marL="285750" indent="-285750">
-              <a:buFontTx/>
-              <a:buChar char="-"/>
-            </a:pPr>
-            <a:endParaRPr lang="en-US" altLang="ko-KR" dirty="0" smtClean="0"/>
-          </a:p>
-          <a:p>
-            <a:pPr marL="285750" indent="-285750">
-              <a:buFontTx/>
-              <a:buChar char="-"/>
-            </a:pPr>
-            <a:endParaRPr lang="en-US" altLang="ko-KR" dirty="0"/>
-          </a:p>
-          <a:p>
-            <a:pPr marL="285750" indent="-285750">
-              <a:buFontTx/>
-              <a:buChar char="-"/>
-            </a:pPr>
-            <a:endParaRPr lang="en-US" altLang="ko-KR" dirty="0" smtClean="0"/>
-          </a:p>
-          <a:p>
-            <a:pPr marL="285750" indent="-285750">
-              <a:buFontTx/>
-              <a:buChar char="-"/>
-            </a:pPr>
-            <a:endParaRPr lang="en-US" altLang="ko-KR" dirty="0"/>
-          </a:p>
-          <a:p>
-            <a:pPr marL="285750" indent="-285750">
-              <a:buFontTx/>
-              <a:buChar char="-"/>
-            </a:pPr>
-            <a:endParaRPr lang="en-US" altLang="ko-KR" dirty="0" smtClean="0"/>
-          </a:p>
-          <a:p>
-            <a:pPr marL="285750" indent="-285750">
-              <a:buFontTx/>
-              <a:buChar char="-"/>
-            </a:pPr>
-            <a:endParaRPr lang="en-US" altLang="ko-KR" dirty="0"/>
-          </a:p>
-          <a:p>
-            <a:endParaRPr lang="en-US" altLang="ko-KR" dirty="0"/>
-          </a:p>
-          <a:p>
-            <a:pPr marL="285750" indent="-285750">
-              <a:buFontTx/>
-              <a:buChar char="-"/>
-            </a:pPr>
-            <a:endParaRPr lang="en-US" altLang="ko-KR" dirty="0" smtClean="0"/>
-          </a:p>
-          <a:p>
-            <a:pPr marL="285750" indent="-285750">
-              <a:buFontTx/>
-              <a:buChar char="-"/>
-            </a:pPr>
-            <a:r>
-              <a:rPr lang="ko-KR" altLang="en-US" dirty="0" smtClean="0"/>
-              <a:t>한편 </a:t>
-            </a:r>
-            <a:r>
-              <a:rPr lang="ko-KR" altLang="en-US" dirty="0" err="1" smtClean="0"/>
-              <a:t>학습률이</a:t>
-            </a:r>
-            <a:r>
-              <a:rPr lang="ko-KR" altLang="en-US" dirty="0" smtClean="0"/>
-              <a:t> 너무 크면 골짜기를 가로질러 반대편으로 건너뛰게 되어 이전보다 더 높은 곳으로 올라가게 될지도 모르며 알고리즘을 더 큰 값으로 발산하게 만들어 적절한 해법을 찾지 못함</a:t>
-            </a:r>
-            <a:endParaRPr lang="en-US" altLang="ko-KR" dirty="0" smtClean="0"/>
-          </a:p>
-          <a:p>
-            <a:pPr marL="285750" indent="-285750">
-              <a:buFontTx/>
-              <a:buChar char="-"/>
-            </a:pPr>
-            <a:endParaRPr lang="en-US" altLang="ko-KR" dirty="0"/>
-          </a:p>
-        </p:txBody>
-      </p:sp>
-      <p:pic>
-        <p:nvPicPr>
-          <p:cNvPr id="6147" name="Picture 3"/>
-          <p:cNvPicPr>
-            <a:picLocks noChangeAspect="1" noChangeArrowheads="1"/>
-          </p:cNvPicPr>
-          <p:nvPr/>
-        </p:nvPicPr>
-        <p:blipFill>
-          <a:blip r:embed="rId2">
-            <a:extLst>
-              <a:ext uri="{28A0092B-C50C-407E-A947-70E740481C1C}">
-                <a14:useLocalDpi xmlns:a14="http://schemas.microsoft.com/office/drawing/2010/main" val="0"/>
-              </a:ext>
-            </a:extLst>
-          </a:blip>
-          <a:srcRect/>
-          <a:stretch>
-            <a:fillRect/>
-          </a:stretch>
-        </p:blipFill>
-        <p:spPr bwMode="auto">
-          <a:xfrm>
-            <a:off x="179513" y="1097328"/>
-            <a:ext cx="4930853" cy="2239241"/>
-          </a:xfrm>
-          <a:prstGeom prst="rect">
-            <a:avLst/>
-          </a:prstGeom>
-          <a:noFill/>
-          <a:ln>
-            <a:noFill/>
-          </a:ln>
-          <a:effectLst/>
-          <a:extLst>
-            <a:ext uri="{909E8E84-426E-40DD-AFC4-6F175D3DCCD1}">
-              <a14:hiddenFill xmlns:a14="http://schemas.microsoft.com/office/drawing/2010/main">
-                <a:solidFill>
-                  <a:schemeClr val="accent1"/>
-                </a:solidFill>
-              </a14:hiddenFill>
-            </a:ext>
-            <a:ext uri="{91240B29-F687-4F45-9708-019B960494DF}">
-              <a14:hiddenLine xmlns:a14="http://schemas.microsoft.com/office/drawing/2010/main" w="9525">
-                <a:solidFill>
-                  <a:schemeClr val="tx1"/>
-                </a:solidFill>
-                <a:miter lim="800000"/>
-                <a:headEnd/>
-                <a:tailEnd/>
-              </a14:hiddenLine>
-            </a:ext>
-            <a:ext uri="{AF507438-7753-43E0-B8FC-AC1667EBCBE1}">
-              <a14:hiddenEffects xmlns:a14="http://schemas.microsoft.com/office/drawing/2010/main">
-                <a:effectLst>
-                  <a:outerShdw dist="35921" dir="2700000" algn="ctr" rotWithShape="0">
-                    <a:schemeClr val="bg2"/>
-                  </a:outerShdw>
-                </a:effectLst>
-              </a14:hiddenEffects>
-            </a:ext>
-          </a:extLst>
-        </p:spPr>
-      </p:pic>
-      <p:pic>
-        <p:nvPicPr>
-          <p:cNvPr id="6148" name="Picture 4"/>
-          <p:cNvPicPr>
-            <a:picLocks noChangeAspect="1" noChangeArrowheads="1"/>
-          </p:cNvPicPr>
-          <p:nvPr/>
-        </p:nvPicPr>
-        <p:blipFill>
-          <a:blip r:embed="rId3">
-            <a:extLst>
-              <a:ext uri="{28A0092B-C50C-407E-A947-70E740481C1C}">
-                <a14:useLocalDpi xmlns:a14="http://schemas.microsoft.com/office/drawing/2010/main" val="0"/>
-              </a:ext>
-            </a:extLst>
-          </a:blip>
-          <a:srcRect/>
-          <a:stretch>
-            <a:fillRect/>
-          </a:stretch>
-        </p:blipFill>
-        <p:spPr bwMode="auto">
-          <a:xfrm>
-            <a:off x="179513" y="4365105"/>
-            <a:ext cx="4968551" cy="2209083"/>
-          </a:xfrm>
-          <a:prstGeom prst="rect">
-            <a:avLst/>
-          </a:prstGeom>
-          <a:noFill/>
-          <a:ln>
-            <a:noFill/>
-          </a:ln>
-          <a:effectLst/>
-          <a:extLst>
-            <a:ext uri="{909E8E84-426E-40DD-AFC4-6F175D3DCCD1}">
-              <a14:hiddenFill xmlns:a14="http://schemas.microsoft.com/office/drawing/2010/main">
-                <a:solidFill>
-                  <a:schemeClr val="accent1"/>
-                </a:solidFill>
-              </a14:hiddenFill>
-            </a:ext>
-            <a:ext uri="{91240B29-F687-4F45-9708-019B960494DF}">
-              <a14:hiddenLine xmlns:a14="http://schemas.microsoft.com/office/drawing/2010/main" w="9525">
-                <a:solidFill>
-                  <a:schemeClr val="tx1"/>
-                </a:solidFill>
-                <a:miter lim="800000"/>
-                <a:headEnd/>
-                <a:tailEnd/>
-              </a14:hiddenLine>
-            </a:ext>
-            <a:ext uri="{AF507438-7753-43E0-B8FC-AC1667EBCBE1}">
-              <a14:hiddenEffects xmlns:a14="http://schemas.microsoft.com/office/drawing/2010/main">
-                <a:effectLst>
-                  <a:outerShdw dist="35921" dir="2700000" algn="ctr" rotWithShape="0">
-                    <a:schemeClr val="bg2"/>
-                  </a:outerShdw>
-                </a:effectLst>
-              </a14:hiddenEffects>
-            </a:ext>
-          </a:extLst>
-        </p:spPr>
-      </p:pic>
-    </p:spTree>
-    <p:extLst>
-      <p:ext uri="{BB962C8B-B14F-4D97-AF65-F5344CB8AC3E}">
-        <p14:creationId xmlns:p14="http://schemas.microsoft.com/office/powerpoint/2010/main" val="1807050398"/>
       </p:ext>
     </p:extLst>
   </p:cSld>
